--- a/elitteMoveis-planejamento/Documentos -apresentação/Gerenciamento de Estoque-1.pptx
+++ b/elitteMoveis-planejamento/Documentos -apresentação/Gerenciamento de Estoque-1.pptx
@@ -8,13 +8,6 @@
     <p:sldId id="256" r:id="rId2"/>
     <p:sldId id="260" r:id="rId3"/>
     <p:sldId id="257" r:id="rId4"/>
-    <p:sldId id="258" r:id="rId5"/>
-    <p:sldId id="259" r:id="rId6"/>
-    <p:sldId id="261" r:id="rId7"/>
-    <p:sldId id="264" r:id="rId8"/>
-    <p:sldId id="263" r:id="rId9"/>
-    <p:sldId id="262" r:id="rId10"/>
-    <p:sldId id="265" r:id="rId11"/>
   </p:sldIdLst>
   <p:sldSz cx="12192000" cy="6858000"/>
   <p:notesSz cx="6858000" cy="9144000"/>
@@ -395,7 +388,7 @@
           <a:p>
             <a:fld id="{78ABE3C1-DBE1-495D-B57B-2849774B866A}" type="datetimeFigureOut">
               <a:rPr lang="en-US" dirty="0"/>
-              <a:t>12/6/2022</a:t>
+              <a:t>6/27/2023</a:t>
             </a:fld>
             <a:endParaRPr lang="en-US" dirty="0"/>
           </a:p>
@@ -804,7 +797,7 @@
           <a:p>
             <a:fld id="{446C117F-5CCF-4837-BE5F-2B92066CAFAF}" type="datetimeFigureOut">
               <a:rPr lang="en-US" dirty="0"/>
-              <a:t>12/6/2022</a:t>
+              <a:t>6/27/2023</a:t>
             </a:fld>
             <a:endParaRPr lang="en-US" dirty="0"/>
           </a:p>
@@ -1135,7 +1128,7 @@
           <a:p>
             <a:fld id="{84EB90BD-B6CE-46B7-997F-7313B992CCDC}" type="datetimeFigureOut">
               <a:rPr lang="en-US" dirty="0"/>
-              <a:t>12/6/2022</a:t>
+              <a:t>6/27/2023</a:t>
             </a:fld>
             <a:endParaRPr lang="en-US" dirty="0"/>
           </a:p>
@@ -1535,7 +1528,7 @@
           <a:p>
             <a:fld id="{CDB9D11F-B188-461D-B23F-39381795C052}" type="datetimeFigureOut">
               <a:rPr lang="en-US" dirty="0"/>
-              <a:t>12/6/2022</a:t>
+              <a:t>6/27/2023</a:t>
             </a:fld>
             <a:endParaRPr lang="en-US" dirty="0"/>
           </a:p>
@@ -2098,7 +2091,7 @@
           <a:p>
             <a:fld id="{52E6D8D9-55A2-4063-B0F3-121F44549695}" type="datetimeFigureOut">
               <a:rPr lang="en-US" dirty="0"/>
-              <a:t>12/6/2022</a:t>
+              <a:t>6/27/2023</a:t>
             </a:fld>
             <a:endParaRPr lang="en-US" dirty="0"/>
           </a:p>
@@ -2774,7 +2767,7 @@
           <a:p>
             <a:fld id="{D4B24536-994D-4021-A283-9F449C0DB509}" type="datetimeFigureOut">
               <a:rPr lang="en-US" dirty="0"/>
-              <a:t>12/6/2022</a:t>
+              <a:t>6/27/2023</a:t>
             </a:fld>
             <a:endParaRPr lang="en-US" dirty="0"/>
           </a:p>
@@ -3682,7 +3675,7 @@
           <a:p>
             <a:fld id="{3CBBBB78-C96F-47B7-AB17-D852CA960AC9}" type="datetimeFigureOut">
               <a:rPr lang="en-US" dirty="0"/>
-              <a:t>12/6/2022</a:t>
+              <a:t>6/27/2023</a:t>
             </a:fld>
             <a:endParaRPr lang="en-US" dirty="0"/>
           </a:p>
@@ -3990,7 +3983,7 @@
           <a:p>
             <a:fld id="{1FA3F48C-C7C6-4055-9F49-3777875E72AE}" type="datetimeFigureOut">
               <a:rPr lang="en-US" dirty="0"/>
-              <a:t>12/6/2022</a:t>
+              <a:t>6/27/2023</a:t>
             </a:fld>
             <a:endParaRPr lang="en-US" dirty="0"/>
           </a:p>
@@ -4249,7 +4242,7 @@
           <a:p>
             <a:fld id="{6178E61D-D431-422C-9764-11DAFE33AB63}" type="datetimeFigureOut">
               <a:rPr lang="en-US" dirty="0"/>
-              <a:t>12/6/2022</a:t>
+              <a:t>6/27/2023</a:t>
             </a:fld>
             <a:endParaRPr lang="en-US" dirty="0"/>
           </a:p>
@@ -4568,7 +4561,7 @@
           <a:p>
             <a:fld id="{12DE42F4-6EEF-4EF7-8ED4-2208F0F89A08}" type="datetimeFigureOut">
               <a:rPr lang="en-US" dirty="0"/>
-              <a:t>12/6/2022</a:t>
+              <a:t>6/27/2023</a:t>
             </a:fld>
             <a:endParaRPr lang="en-US" dirty="0"/>
           </a:p>
@@ -4952,7 +4945,7 @@
           <a:p>
             <a:fld id="{30578ACC-22D6-47C1-A373-4FD133E34F3C}" type="datetimeFigureOut">
               <a:rPr lang="en-US" dirty="0"/>
-              <a:t>12/6/2022</a:t>
+              <a:t>6/27/2023</a:t>
             </a:fld>
             <a:endParaRPr lang="en-US" dirty="0"/>
           </a:p>
@@ -5323,7 +5316,7 @@
           <a:p>
             <a:fld id="{4E5A6C69-6797-4E8A-BF37-F2C3751466E9}" type="datetimeFigureOut">
               <a:rPr lang="en-US" dirty="0"/>
-              <a:t>12/6/2022</a:t>
+              <a:t>6/27/2023</a:t>
             </a:fld>
             <a:endParaRPr lang="en-US" dirty="0"/>
           </a:p>
@@ -5824,7 +5817,7 @@
           <a:p>
             <a:fld id="{D82014A1-A632-4878-A0D3-F52BA7563730}" type="datetimeFigureOut">
               <a:rPr lang="en-US" dirty="0"/>
-              <a:t>12/6/2022</a:t>
+              <a:t>6/27/2023</a:t>
             </a:fld>
             <a:endParaRPr lang="en-US" dirty="0"/>
           </a:p>
@@ -6076,7 +6069,7 @@
           <a:p>
             <a:fld id="{CE99F462-093F-4566-844B-4C71F2739DA5}" type="datetimeFigureOut">
               <a:rPr lang="en-US" dirty="0"/>
-              <a:t>12/6/2022</a:t>
+              <a:t>6/27/2023</a:t>
             </a:fld>
             <a:endParaRPr lang="en-US" dirty="0"/>
           </a:p>
@@ -6234,7 +6227,7 @@
           <a:p>
             <a:fld id="{3D24A7AC-904D-4781-85BA-7D10C17ED021}" type="datetimeFigureOut">
               <a:rPr lang="en-US" dirty="0"/>
-              <a:t>12/6/2022</a:t>
+              <a:t>6/27/2023</a:t>
             </a:fld>
             <a:endParaRPr lang="en-US" dirty="0"/>
           </a:p>
@@ -6619,7 +6612,7 @@
           <a:p>
             <a:fld id="{E331444B-B92B-4E27-8C94-BB93EAF5CB18}" type="datetimeFigureOut">
               <a:rPr lang="en-US" dirty="0"/>
-              <a:t>12/6/2022</a:t>
+              <a:t>6/27/2023</a:t>
             </a:fld>
             <a:endParaRPr lang="en-US" dirty="0"/>
           </a:p>
@@ -7023,7 +7016,7 @@
           <a:p>
             <a:fld id="{363EFA5E-FA76-400D-B3DC-F0BA90E6D107}" type="datetimeFigureOut">
               <a:rPr lang="en-US" dirty="0"/>
-              <a:t>12/6/2022</a:t>
+              <a:t>6/27/2023</a:t>
             </a:fld>
             <a:endParaRPr lang="en-US" dirty="0"/>
           </a:p>
@@ -7262,7 +7255,7 @@
           <a:p>
             <a:fld id="{9D6E9DEC-419B-4CC5-A080-3B06BD5A8291}" type="datetimeFigureOut">
               <a:rPr lang="en-US" dirty="0"/>
-              <a:t>12/6/2022</a:t>
+              <a:t>6/27/2023</a:t>
             </a:fld>
             <a:endParaRPr lang="en-US" dirty="0"/>
           </a:p>
@@ -7731,117 +7724,6 @@
 </p:sld>
 </file>
 
-<file path=ppt/slides/slide10.xml><?xml version="1.0" encoding="utf-8"?>
-<p:sld xmlns:a="http://schemas.openxmlformats.org/drawingml/2006/main" xmlns:r="http://schemas.openxmlformats.org/officeDocument/2006/relationships" xmlns:p="http://schemas.openxmlformats.org/presentationml/2006/main">
-  <p:cSld>
-    <p:spTree>
-      <p:nvGrpSpPr>
-        <p:cNvPr id="1" name=""/>
-        <p:cNvGrpSpPr/>
-        <p:nvPr/>
-      </p:nvGrpSpPr>
-      <p:grpSpPr>
-        <a:xfrm>
-          <a:off x="0" y="0"/>
-          <a:ext cx="0" cy="0"/>
-          <a:chOff x="0" y="0"/>
-          <a:chExt cx="0" cy="0"/>
-        </a:xfrm>
-      </p:grpSpPr>
-      <p:sp>
-        <p:nvSpPr>
-          <p:cNvPr id="2" name="Título 1"/>
-          <p:cNvSpPr>
-            <a:spLocks noGrp="1"/>
-          </p:cNvSpPr>
-          <p:nvPr>
-            <p:ph type="title"/>
-          </p:nvPr>
-        </p:nvSpPr>
-        <p:spPr/>
-        <p:txBody>
-          <a:bodyPr/>
-          <a:lstStyle/>
-          <a:p>
-            <a:r>
-              <a:rPr lang="pt-BR" dirty="0" smtClean="0"/>
-              <a:t>Gráfico </a:t>
-            </a:r>
-            <a:r>
-              <a:rPr lang="pt-BR" dirty="0" err="1" smtClean="0"/>
-              <a:t>Gantt</a:t>
-            </a:r>
-            <a:endParaRPr lang="pt-BR" dirty="0"/>
-          </a:p>
-        </p:txBody>
-      </p:sp>
-      <p:sp>
-        <p:nvSpPr>
-          <p:cNvPr id="4" name="Espaço Reservado para Conteúdo 3"/>
-          <p:cNvSpPr>
-            <a:spLocks noGrp="1"/>
-          </p:cNvSpPr>
-          <p:nvPr>
-            <p:ph idx="1"/>
-          </p:nvPr>
-        </p:nvSpPr>
-        <p:spPr/>
-        <p:txBody>
-          <a:bodyPr/>
-          <a:lstStyle/>
-          <a:p>
-            <a:endParaRPr lang="pt-BR"/>
-          </a:p>
-        </p:txBody>
-      </p:sp>
-      <p:pic>
-        <p:nvPicPr>
-          <p:cNvPr id="8" name="Imagem 7" descr="Interface gráfica do usuário, Tabela, Gráfico de cascata&#10;&#10;Descrição gerada automaticamente"/>
-          <p:cNvPicPr/>
-          <p:nvPr/>
-        </p:nvPicPr>
-        <p:blipFill>
-          <a:blip r:embed="rId2" cstate="print">
-            <a:extLst>
-              <a:ext uri="{28A0092B-C50C-407E-A947-70E740481C1C}">
-                <a14:useLocalDpi xmlns:a14="http://schemas.microsoft.com/office/drawing/2010/main" val="0"/>
-              </a:ext>
-            </a:extLst>
-          </a:blip>
-          <a:stretch>
-            <a:fillRect/>
-          </a:stretch>
-        </p:blipFill>
-        <p:spPr>
-          <a:xfrm>
-            <a:off x="2295055" y="2317823"/>
-            <a:ext cx="6384392" cy="3597202"/>
-          </a:xfrm>
-          <a:prstGeom prst="rect">
-            <a:avLst/>
-          </a:prstGeom>
-        </p:spPr>
-      </p:pic>
-    </p:spTree>
-    <p:extLst>
-      <p:ext uri="{BB962C8B-B14F-4D97-AF65-F5344CB8AC3E}">
-        <p14:creationId xmlns:p14="http://schemas.microsoft.com/office/powerpoint/2010/main" val="366925048"/>
-      </p:ext>
-    </p:extLst>
-  </p:cSld>
-  <p:clrMapOvr>
-    <a:masterClrMapping/>
-  </p:clrMapOvr>
-  <p:timing>
-    <p:tnLst>
-      <p:par>
-        <p:cTn id="1" dur="indefinite" restart="never" nodeType="tmRoot"/>
-      </p:par>
-    </p:tnLst>
-  </p:timing>
-</p:sld>
-</file>
-
 <file path=ppt/slides/slide2.xml><?xml version="1.0" encoding="utf-8"?>
 <p:sld xmlns:a="http://schemas.openxmlformats.org/drawingml/2006/main" xmlns:r="http://schemas.openxmlformats.org/officeDocument/2006/relationships" xmlns:p="http://schemas.openxmlformats.org/presentationml/2006/main">
   <p:cSld>
@@ -8152,579 +8034,6 @@
     <p:extLst>
       <p:ext uri="{BB962C8B-B14F-4D97-AF65-F5344CB8AC3E}">
         <p14:creationId xmlns:p14="http://schemas.microsoft.com/office/powerpoint/2010/main" val="3279281391"/>
-      </p:ext>
-    </p:extLst>
-  </p:cSld>
-  <p:clrMapOvr>
-    <a:masterClrMapping/>
-  </p:clrMapOvr>
-  <p:timing>
-    <p:tnLst>
-      <p:par>
-        <p:cTn id="1" dur="indefinite" restart="never" nodeType="tmRoot"/>
-      </p:par>
-    </p:tnLst>
-  </p:timing>
-</p:sld>
-</file>
-
-<file path=ppt/slides/slide4.xml><?xml version="1.0" encoding="utf-8"?>
-<p:sld xmlns:a="http://schemas.openxmlformats.org/drawingml/2006/main" xmlns:r="http://schemas.openxmlformats.org/officeDocument/2006/relationships" xmlns:p="http://schemas.openxmlformats.org/presentationml/2006/main">
-  <p:cSld>
-    <p:spTree>
-      <p:nvGrpSpPr>
-        <p:cNvPr id="1" name=""/>
-        <p:cNvGrpSpPr/>
-        <p:nvPr/>
-      </p:nvGrpSpPr>
-      <p:grpSpPr>
-        <a:xfrm>
-          <a:off x="0" y="0"/>
-          <a:ext cx="0" cy="0"/>
-          <a:chOff x="0" y="0"/>
-          <a:chExt cx="0" cy="0"/>
-        </a:xfrm>
-      </p:grpSpPr>
-      <p:sp>
-        <p:nvSpPr>
-          <p:cNvPr id="2" name="Título 1"/>
-          <p:cNvSpPr>
-            <a:spLocks noGrp="1"/>
-          </p:cNvSpPr>
-          <p:nvPr>
-            <p:ph type="title"/>
-          </p:nvPr>
-        </p:nvSpPr>
-        <p:spPr>
-          <a:xfrm>
-            <a:off x="523567" y="740165"/>
-            <a:ext cx="9613861" cy="1080938"/>
-          </a:xfrm>
-        </p:spPr>
-        <p:txBody>
-          <a:bodyPr/>
-          <a:lstStyle/>
-          <a:p>
-            <a:r>
-              <a:rPr lang="pt-BR" dirty="0"/>
-              <a:t>Diagrama de caso e uso</a:t>
-            </a:r>
-          </a:p>
-        </p:txBody>
-      </p:sp>
-      <p:pic>
-        <p:nvPicPr>
-          <p:cNvPr id="10" name="Espaço Reservado para Conteúdo 9"/>
-          <p:cNvPicPr>
-            <a:picLocks noGrp="1" noChangeAspect="1"/>
-          </p:cNvPicPr>
-          <p:nvPr>
-            <p:ph idx="1"/>
-          </p:nvPr>
-        </p:nvPicPr>
-        <p:blipFill>
-          <a:blip r:embed="rId2">
-            <a:extLst>
-              <a:ext uri="{28A0092B-C50C-407E-A947-70E740481C1C}">
-                <a14:useLocalDpi xmlns:a14="http://schemas.microsoft.com/office/drawing/2010/main" val="0"/>
-              </a:ext>
-            </a:extLst>
-          </a:blip>
-          <a:stretch>
-            <a:fillRect/>
-          </a:stretch>
-        </p:blipFill>
-        <p:spPr>
-          <a:xfrm>
-            <a:off x="3319463" y="2176464"/>
-            <a:ext cx="4876800" cy="4333874"/>
-          </a:xfrm>
-        </p:spPr>
-      </p:pic>
-    </p:spTree>
-    <p:extLst>
-      <p:ext uri="{BB962C8B-B14F-4D97-AF65-F5344CB8AC3E}">
-        <p14:creationId xmlns:p14="http://schemas.microsoft.com/office/powerpoint/2010/main" val="2899730642"/>
-      </p:ext>
-    </p:extLst>
-  </p:cSld>
-  <p:clrMapOvr>
-    <a:masterClrMapping/>
-  </p:clrMapOvr>
-  <p:timing>
-    <p:tnLst>
-      <p:par>
-        <p:cTn id="1" dur="indefinite" restart="never" nodeType="tmRoot"/>
-      </p:par>
-    </p:tnLst>
-  </p:timing>
-</p:sld>
-</file>
-
-<file path=ppt/slides/slide5.xml><?xml version="1.0" encoding="utf-8"?>
-<p:sld xmlns:a="http://schemas.openxmlformats.org/drawingml/2006/main" xmlns:r="http://schemas.openxmlformats.org/officeDocument/2006/relationships" xmlns:p="http://schemas.openxmlformats.org/presentationml/2006/main">
-  <p:cSld>
-    <p:spTree>
-      <p:nvGrpSpPr>
-        <p:cNvPr id="1" name=""/>
-        <p:cNvGrpSpPr/>
-        <p:nvPr/>
-      </p:nvGrpSpPr>
-      <p:grpSpPr>
-        <a:xfrm>
-          <a:off x="0" y="0"/>
-          <a:ext cx="0" cy="0"/>
-          <a:chOff x="0" y="0"/>
-          <a:chExt cx="0" cy="0"/>
-        </a:xfrm>
-      </p:grpSpPr>
-      <p:sp>
-        <p:nvSpPr>
-          <p:cNvPr id="2" name="Título 1"/>
-          <p:cNvSpPr>
-            <a:spLocks noGrp="1"/>
-          </p:cNvSpPr>
-          <p:nvPr>
-            <p:ph type="title"/>
-          </p:nvPr>
-        </p:nvSpPr>
-        <p:spPr/>
-        <p:txBody>
-          <a:bodyPr/>
-          <a:lstStyle/>
-          <a:p>
-            <a:r>
-              <a:rPr lang="pt-BR" dirty="0"/>
-              <a:t>Diagrama de atividade</a:t>
-            </a:r>
-          </a:p>
-        </p:txBody>
-      </p:sp>
-      <p:pic>
-        <p:nvPicPr>
-          <p:cNvPr id="16" name="Espaço Reservado para Conteúdo 15"/>
-          <p:cNvPicPr>
-            <a:picLocks noGrp="1" noChangeAspect="1"/>
-          </p:cNvPicPr>
-          <p:nvPr>
-            <p:ph idx="1"/>
-          </p:nvPr>
-        </p:nvPicPr>
-        <p:blipFill>
-          <a:blip r:embed="rId2">
-            <a:extLst>
-              <a:ext uri="{28A0092B-C50C-407E-A947-70E740481C1C}">
-                <a14:useLocalDpi xmlns:a14="http://schemas.microsoft.com/office/drawing/2010/main" val="0"/>
-              </a:ext>
-            </a:extLst>
-          </a:blip>
-          <a:stretch>
-            <a:fillRect/>
-          </a:stretch>
-        </p:blipFill>
-        <p:spPr>
-          <a:xfrm>
-            <a:off x="2492827" y="2206716"/>
-            <a:ext cx="6572343" cy="4115707"/>
-          </a:xfrm>
-        </p:spPr>
-      </p:pic>
-    </p:spTree>
-    <p:extLst>
-      <p:ext uri="{BB962C8B-B14F-4D97-AF65-F5344CB8AC3E}">
-        <p14:creationId xmlns:p14="http://schemas.microsoft.com/office/powerpoint/2010/main" val="420855278"/>
-      </p:ext>
-    </p:extLst>
-  </p:cSld>
-  <p:clrMapOvr>
-    <a:masterClrMapping/>
-  </p:clrMapOvr>
-  <p:timing>
-    <p:tnLst>
-      <p:par>
-        <p:cTn id="1" dur="indefinite" restart="never" nodeType="tmRoot"/>
-      </p:par>
-    </p:tnLst>
-  </p:timing>
-</p:sld>
-</file>
-
-<file path=ppt/slides/slide6.xml><?xml version="1.0" encoding="utf-8"?>
-<p:sld xmlns:a="http://schemas.openxmlformats.org/drawingml/2006/main" xmlns:r="http://schemas.openxmlformats.org/officeDocument/2006/relationships" xmlns:p="http://schemas.openxmlformats.org/presentationml/2006/main">
-  <p:cSld>
-    <p:spTree>
-      <p:nvGrpSpPr>
-        <p:cNvPr id="1" name=""/>
-        <p:cNvGrpSpPr/>
-        <p:nvPr/>
-      </p:nvGrpSpPr>
-      <p:grpSpPr>
-        <a:xfrm>
-          <a:off x="0" y="0"/>
-          <a:ext cx="0" cy="0"/>
-          <a:chOff x="0" y="0"/>
-          <a:chExt cx="0" cy="0"/>
-        </a:xfrm>
-      </p:grpSpPr>
-      <p:sp>
-        <p:nvSpPr>
-          <p:cNvPr id="2" name="Título 1"/>
-          <p:cNvSpPr>
-            <a:spLocks noGrp="1"/>
-          </p:cNvSpPr>
-          <p:nvPr>
-            <p:ph type="title"/>
-          </p:nvPr>
-        </p:nvSpPr>
-        <p:spPr/>
-        <p:txBody>
-          <a:bodyPr/>
-          <a:lstStyle/>
-          <a:p>
-            <a:r>
-              <a:rPr lang="pt-BR" dirty="0"/>
-              <a:t>Diagrama entidade relacionamento</a:t>
-            </a:r>
-          </a:p>
-        </p:txBody>
-      </p:sp>
-      <p:pic>
-        <p:nvPicPr>
-          <p:cNvPr id="8" name="Espaço Reservado para Conteúdo 7"/>
-          <p:cNvPicPr>
-            <a:picLocks noGrp="1" noChangeAspect="1"/>
-          </p:cNvPicPr>
-          <p:nvPr>
-            <p:ph idx="1"/>
-          </p:nvPr>
-        </p:nvPicPr>
-        <p:blipFill>
-          <a:blip r:embed="rId2"/>
-          <a:stretch>
-            <a:fillRect/>
-          </a:stretch>
-        </p:blipFill>
-        <p:spPr>
-          <a:xfrm>
-            <a:off x="2263039" y="2276475"/>
-            <a:ext cx="6448424" cy="3962399"/>
-          </a:xfrm>
-          <a:prstGeom prst="rect">
-            <a:avLst/>
-          </a:prstGeom>
-        </p:spPr>
-      </p:pic>
-    </p:spTree>
-    <p:extLst>
-      <p:ext uri="{BB962C8B-B14F-4D97-AF65-F5344CB8AC3E}">
-        <p14:creationId xmlns:p14="http://schemas.microsoft.com/office/powerpoint/2010/main" val="1172076575"/>
-      </p:ext>
-    </p:extLst>
-  </p:cSld>
-  <p:clrMapOvr>
-    <a:masterClrMapping/>
-  </p:clrMapOvr>
-  <p:timing>
-    <p:tnLst>
-      <p:par>
-        <p:cTn id="1" dur="indefinite" restart="never" nodeType="tmRoot"/>
-      </p:par>
-    </p:tnLst>
-  </p:timing>
-</p:sld>
-</file>
-
-<file path=ppt/slides/slide7.xml><?xml version="1.0" encoding="utf-8"?>
-<p:sld xmlns:a="http://schemas.openxmlformats.org/drawingml/2006/main" xmlns:r="http://schemas.openxmlformats.org/officeDocument/2006/relationships" xmlns:p="http://schemas.openxmlformats.org/presentationml/2006/main">
-  <p:cSld>
-    <p:spTree>
-      <p:nvGrpSpPr>
-        <p:cNvPr id="1" name=""/>
-        <p:cNvGrpSpPr/>
-        <p:nvPr/>
-      </p:nvGrpSpPr>
-      <p:grpSpPr>
-        <a:xfrm>
-          <a:off x="0" y="0"/>
-          <a:ext cx="0" cy="0"/>
-          <a:chOff x="0" y="0"/>
-          <a:chExt cx="0" cy="0"/>
-        </a:xfrm>
-      </p:grpSpPr>
-      <p:sp>
-        <p:nvSpPr>
-          <p:cNvPr id="2" name="Título 1"/>
-          <p:cNvSpPr>
-            <a:spLocks noGrp="1"/>
-          </p:cNvSpPr>
-          <p:nvPr>
-            <p:ph type="title"/>
-          </p:nvPr>
-        </p:nvSpPr>
-        <p:spPr/>
-        <p:txBody>
-          <a:bodyPr/>
-          <a:lstStyle/>
-          <a:p>
-            <a:r>
-              <a:rPr lang="pt-BR" dirty="0"/>
-              <a:t>Diagrama de Classe</a:t>
-            </a:r>
-          </a:p>
-        </p:txBody>
-      </p:sp>
-      <p:pic>
-        <p:nvPicPr>
-          <p:cNvPr id="7" name="Espaço Reservado para Conteúdo 6"/>
-          <p:cNvPicPr>
-            <a:picLocks noGrp="1" noChangeAspect="1"/>
-          </p:cNvPicPr>
-          <p:nvPr>
-            <p:ph idx="1"/>
-          </p:nvPr>
-        </p:nvPicPr>
-        <p:blipFill>
-          <a:blip r:embed="rId2">
-            <a:extLst>
-              <a:ext uri="{28A0092B-C50C-407E-A947-70E740481C1C}">
-                <a14:useLocalDpi xmlns:a14="http://schemas.microsoft.com/office/drawing/2010/main" val="0"/>
-              </a:ext>
-            </a:extLst>
-          </a:blip>
-          <a:stretch>
-            <a:fillRect/>
-          </a:stretch>
-        </p:blipFill>
-        <p:spPr>
-          <a:xfrm>
-            <a:off x="3564083" y="2019301"/>
-            <a:ext cx="4613563" cy="4603172"/>
-          </a:xfrm>
-        </p:spPr>
-      </p:pic>
-    </p:spTree>
-    <p:extLst>
-      <p:ext uri="{BB962C8B-B14F-4D97-AF65-F5344CB8AC3E}">
-        <p14:creationId xmlns:p14="http://schemas.microsoft.com/office/powerpoint/2010/main" val="785308047"/>
-      </p:ext>
-    </p:extLst>
-  </p:cSld>
-  <p:clrMapOvr>
-    <a:masterClrMapping/>
-  </p:clrMapOvr>
-  <p:timing>
-    <p:tnLst>
-      <p:par>
-        <p:cTn id="1" dur="indefinite" restart="never" nodeType="tmRoot"/>
-      </p:par>
-    </p:tnLst>
-  </p:timing>
-</p:sld>
-</file>
-
-<file path=ppt/slides/slide8.xml><?xml version="1.0" encoding="utf-8"?>
-<p:sld xmlns:a="http://schemas.openxmlformats.org/drawingml/2006/main" xmlns:r="http://schemas.openxmlformats.org/officeDocument/2006/relationships" xmlns:p="http://schemas.openxmlformats.org/presentationml/2006/main">
-  <p:cSld>
-    <p:spTree>
-      <p:nvGrpSpPr>
-        <p:cNvPr id="1" name=""/>
-        <p:cNvGrpSpPr/>
-        <p:nvPr/>
-      </p:nvGrpSpPr>
-      <p:grpSpPr>
-        <a:xfrm>
-          <a:off x="0" y="0"/>
-          <a:ext cx="0" cy="0"/>
-          <a:chOff x="0" y="0"/>
-          <a:chExt cx="0" cy="0"/>
-        </a:xfrm>
-      </p:grpSpPr>
-      <p:sp>
-        <p:nvSpPr>
-          <p:cNvPr id="2" name="Título 1"/>
-          <p:cNvSpPr>
-            <a:spLocks noGrp="1"/>
-          </p:cNvSpPr>
-          <p:nvPr>
-            <p:ph type="title"/>
-          </p:nvPr>
-        </p:nvSpPr>
-        <p:spPr/>
-        <p:txBody>
-          <a:bodyPr/>
-          <a:lstStyle/>
-          <a:p>
-            <a:r>
-              <a:rPr lang="pt-BR" dirty="0" err="1"/>
-              <a:t>Wire</a:t>
-            </a:r>
-            <a:r>
-              <a:rPr lang="pt-BR" dirty="0"/>
-              <a:t> Frame – Telas (Inicial, Projeto, Materiais)</a:t>
-            </a:r>
-          </a:p>
-        </p:txBody>
-      </p:sp>
-      <p:pic>
-        <p:nvPicPr>
-          <p:cNvPr id="5" name="Imagem 5">
-            <a:extLst>
-              <a:ext uri="{FF2B5EF4-FFF2-40B4-BE49-F238E27FC236}">
-                <a16:creationId xmlns:a16="http://schemas.microsoft.com/office/drawing/2014/main" xmlns="" id="{507006AF-FAC0-56E1-1656-C0CF28394F22}"/>
-              </a:ext>
-            </a:extLst>
-          </p:cNvPr>
-          <p:cNvPicPr>
-            <a:picLocks noGrp="1" noChangeAspect="1"/>
-          </p:cNvPicPr>
-          <p:nvPr>
-            <p:ph idx="1"/>
-          </p:nvPr>
-        </p:nvPicPr>
-        <p:blipFill>
-          <a:blip r:embed="rId2"/>
-          <a:stretch>
-            <a:fillRect/>
-          </a:stretch>
-        </p:blipFill>
-        <p:spPr>
-          <a:xfrm>
-            <a:off x="265615" y="3097560"/>
-            <a:ext cx="3513983" cy="1992464"/>
-          </a:xfrm>
-        </p:spPr>
-      </p:pic>
-      <p:pic>
-        <p:nvPicPr>
-          <p:cNvPr id="6" name="Imagem 6">
-            <a:extLst>
-              <a:ext uri="{FF2B5EF4-FFF2-40B4-BE49-F238E27FC236}">
-                <a16:creationId xmlns:a16="http://schemas.microsoft.com/office/drawing/2014/main" xmlns="" id="{C7A82D72-443B-BA54-206B-460F8CFD8678}"/>
-              </a:ext>
-            </a:extLst>
-          </p:cNvPr>
-          <p:cNvPicPr>
-            <a:picLocks noChangeAspect="1"/>
-          </p:cNvPicPr>
-          <p:nvPr/>
-        </p:nvPicPr>
-        <p:blipFill>
-          <a:blip r:embed="rId3"/>
-          <a:stretch>
-            <a:fillRect/>
-          </a:stretch>
-        </p:blipFill>
-        <p:spPr>
-          <a:xfrm>
-            <a:off x="4254494" y="3100470"/>
-            <a:ext cx="3683012" cy="1986643"/>
-          </a:xfrm>
-          <a:prstGeom prst="rect">
-            <a:avLst/>
-          </a:prstGeom>
-        </p:spPr>
-      </p:pic>
-      <p:pic>
-        <p:nvPicPr>
-          <p:cNvPr id="7" name="Imagem 8">
-            <a:extLst>
-              <a:ext uri="{FF2B5EF4-FFF2-40B4-BE49-F238E27FC236}">
-                <a16:creationId xmlns:a16="http://schemas.microsoft.com/office/drawing/2014/main" xmlns="" id="{684EB5AD-EEB8-171C-4FB4-131DADD66F56}"/>
-              </a:ext>
-            </a:extLst>
-          </p:cNvPr>
-          <p:cNvPicPr>
-            <a:picLocks noChangeAspect="1"/>
-          </p:cNvPicPr>
-          <p:nvPr/>
-        </p:nvPicPr>
-        <p:blipFill>
-          <a:blip r:embed="rId4"/>
-          <a:stretch>
-            <a:fillRect/>
-          </a:stretch>
-        </p:blipFill>
-        <p:spPr>
-          <a:xfrm>
-            <a:off x="8338478" y="3097560"/>
-            <a:ext cx="3683012" cy="1989553"/>
-          </a:xfrm>
-          <a:prstGeom prst="rect">
-            <a:avLst/>
-          </a:prstGeom>
-        </p:spPr>
-      </p:pic>
-    </p:spTree>
-    <p:extLst>
-      <p:ext uri="{BB962C8B-B14F-4D97-AF65-F5344CB8AC3E}">
-        <p14:creationId xmlns:p14="http://schemas.microsoft.com/office/powerpoint/2010/main" val="3432610253"/>
-      </p:ext>
-    </p:extLst>
-  </p:cSld>
-  <p:clrMapOvr>
-    <a:masterClrMapping/>
-  </p:clrMapOvr>
-  <p:timing>
-    <p:tnLst>
-      <p:par>
-        <p:cTn id="1" dur="indefinite" restart="never" nodeType="tmRoot"/>
-      </p:par>
-    </p:tnLst>
-  </p:timing>
-</p:sld>
-</file>
-
-<file path=ppt/slides/slide9.xml><?xml version="1.0" encoding="utf-8"?>
-<p:sld xmlns:a="http://schemas.openxmlformats.org/drawingml/2006/main" xmlns:r="http://schemas.openxmlformats.org/officeDocument/2006/relationships" xmlns:p="http://schemas.openxmlformats.org/presentationml/2006/main">
-  <p:cSld>
-    <p:spTree>
-      <p:nvGrpSpPr>
-        <p:cNvPr id="1" name=""/>
-        <p:cNvGrpSpPr/>
-        <p:nvPr/>
-      </p:nvGrpSpPr>
-      <p:grpSpPr>
-        <a:xfrm>
-          <a:off x="0" y="0"/>
-          <a:ext cx="0" cy="0"/>
-          <a:chOff x="0" y="0"/>
-          <a:chExt cx="0" cy="0"/>
-        </a:xfrm>
-      </p:grpSpPr>
-      <p:pic>
-        <p:nvPicPr>
-          <p:cNvPr id="2" name="Imagem 1"/>
-          <p:cNvPicPr>
-            <a:picLocks noChangeAspect="1"/>
-          </p:cNvPicPr>
-          <p:nvPr/>
-        </p:nvPicPr>
-        <p:blipFill>
-          <a:blip r:embed="rId2">
-            <a:extLst>
-              <a:ext uri="{28A0092B-C50C-407E-A947-70E740481C1C}">
-                <a14:useLocalDpi xmlns:a14="http://schemas.microsoft.com/office/drawing/2010/main" val="0"/>
-              </a:ext>
-            </a:extLst>
-          </a:blip>
-          <a:stretch>
-            <a:fillRect/>
-          </a:stretch>
-        </p:blipFill>
-        <p:spPr>
-          <a:xfrm>
-            <a:off x="2869682" y="232228"/>
-            <a:ext cx="6220408" cy="6408057"/>
-          </a:xfrm>
-          <a:prstGeom prst="rect">
-            <a:avLst/>
-          </a:prstGeom>
-        </p:spPr>
-      </p:pic>
-    </p:spTree>
-    <p:extLst>
-      <p:ext uri="{BB962C8B-B14F-4D97-AF65-F5344CB8AC3E}">
-        <p14:creationId xmlns:p14="http://schemas.microsoft.com/office/powerpoint/2010/main" val="3593366664"/>
       </p:ext>
     </p:extLst>
   </p:cSld>
